--- a/gleam-gathering-2026/slides.pptx
+++ b/gleam-gathering-2026/slides.pptx
@@ -4196,9 +4196,9 @@
         <p:grpSpPr>
           <a:xfrm>
             <a:off x="3449782" y="1681843"/>
-            <a:ext cx="6613115" cy="3677305"/>
+            <a:ext cx="7015285" cy="3677305"/>
             <a:chOff x="3449782" y="1681843"/>
-            <a:chExt cx="6613115" cy="3677305"/>
+            <a:chExt cx="7015285" cy="3677305"/>
           </a:xfrm>
         </p:grpSpPr>
         <p:pic>
@@ -4323,7 +4323,7 @@
           <p:spPr>
             <a:xfrm>
               <a:off x="4671110" y="4989816"/>
-              <a:ext cx="2166747" cy="369332"/>
+              <a:ext cx="2696187" cy="369332"/>
             </a:xfrm>
             <a:prstGeom prst="rect">
               <a:avLst/>
@@ -4338,7 +4338,7 @@
             <a:p>
               <a:r>
                 <a:rPr lang="en-GB" dirty="0" err="1"/>
-                <a:t>news_sender</a:t>
+                <a:t>newsletter_sender</a:t>
               </a:r>
               <a:r>
                 <a:rPr lang="en-NO" dirty="0"/>
@@ -4375,7 +4375,7 @@
           </p:blipFill>
           <p:spPr>
             <a:xfrm>
-              <a:off x="8145521" y="4075416"/>
+              <a:off x="8547691" y="4077091"/>
               <a:ext cx="914400" cy="914400"/>
             </a:xfrm>
             <a:prstGeom prst="rect">
@@ -4397,7 +4397,7 @@
           </p:nvSpPr>
           <p:spPr>
             <a:xfrm>
-              <a:off x="7147547" y="4988141"/>
+              <a:off x="7549717" y="4989816"/>
               <a:ext cx="2915350" cy="369332"/>
             </a:xfrm>
             <a:prstGeom prst="rect">
@@ -4439,7 +4439,7 @@
           <p:spPr>
             <a:xfrm flipV="1">
               <a:off x="3449782" y="2965575"/>
-              <a:ext cx="1963390" cy="1109841"/>
+              <a:ext cx="1393860" cy="1109841"/>
             </a:xfrm>
             <a:prstGeom prst="straightConnector1">
               <a:avLst/>
@@ -4527,8 +4527,8 @@
           </p:nvCxnSpPr>
           <p:spPr>
             <a:xfrm flipH="1" flipV="1">
-              <a:off x="6636327" y="2965575"/>
-              <a:ext cx="1509194" cy="1109841"/>
+              <a:off x="7046129" y="2831065"/>
+              <a:ext cx="1595349" cy="1244351"/>
             </a:xfrm>
             <a:prstGeom prst="straightConnector1">
               <a:avLst/>
@@ -4947,12 +4947,47 @@
           </a:fontRef>
         </p:style>
       </p:cxnSp>
+      <p:sp>
+        <p:nvSpPr>
+          <p:cNvPr id="40" name="TextBox 39">
+            <a:extLst>
+              <a:ext uri="{FF2B5EF4-FFF2-40B4-BE49-F238E27FC236}">
+                <a16:creationId xmlns:a16="http://schemas.microsoft.com/office/drawing/2014/main" id="{7AC7B243-20EF-2840-74DC-0E995515951C}"/>
+              </a:ext>
+            </a:extLst>
+          </p:cNvPr>
+          <p:cNvSpPr txBox="1"/>
+          <p:nvPr/>
+        </p:nvSpPr>
+        <p:spPr>
+          <a:xfrm>
+            <a:off x="3910850" y="5416510"/>
+            <a:ext cx="4370299" cy="646331"/>
+          </a:xfrm>
+          <a:prstGeom prst="rect">
+            <a:avLst/>
+          </a:prstGeom>
+          <a:noFill/>
+        </p:spPr>
+        <p:txBody>
+          <a:bodyPr wrap="none" rtlCol="0">
+            <a:spAutoFit/>
+          </a:bodyPr>
+          <a:lstStyle/>
+          <a:p>
+            <a:r>
+              <a:rPr lang="en-NO" sz="3600" dirty="0"/>
+              <a:t>All forced to validate!</a:t>
+            </a:r>
+          </a:p>
+        </p:txBody>
+      </p:sp>
       <p:grpSp>
         <p:nvGrpSpPr>
-          <p:cNvPr id="30" name="Group 29">
+          <p:cNvPr id="2" name="Group 1">
             <a:extLst>
               <a:ext uri="{FF2B5EF4-FFF2-40B4-BE49-F238E27FC236}">
-                <a16:creationId xmlns:a16="http://schemas.microsoft.com/office/drawing/2014/main" id="{AFE07A4F-DEF3-ACDA-185B-FD2704ECF22D}"/>
+                <a16:creationId xmlns:a16="http://schemas.microsoft.com/office/drawing/2014/main" id="{AAE85630-9519-D048-CFF6-387BB494AF84}"/>
               </a:ext>
             </a:extLst>
           </p:cNvPr>
@@ -4961,18 +4996,18 @@
         </p:nvGrpSpPr>
         <p:grpSpPr>
           <a:xfrm>
-            <a:off x="12781351" y="1681843"/>
-            <a:ext cx="6613115" cy="3677305"/>
+            <a:off x="12951400" y="1681843"/>
+            <a:ext cx="7015285" cy="3677305"/>
             <a:chOff x="3449782" y="1681843"/>
-            <a:chExt cx="6613115" cy="3677305"/>
+            <a:chExt cx="7015285" cy="3677305"/>
           </a:xfrm>
         </p:grpSpPr>
         <p:pic>
           <p:nvPicPr>
-            <p:cNvPr id="31" name="Graphic 30" descr="Document outline">
+            <p:cNvPr id="3" name="Graphic 2" descr="Document outline">
               <a:extLst>
                 <a:ext uri="{FF2B5EF4-FFF2-40B4-BE49-F238E27FC236}">
-                  <a16:creationId xmlns:a16="http://schemas.microsoft.com/office/drawing/2014/main" id="{9F8DCC75-0D3F-B357-F1C8-685A94A66000}"/>
+                  <a16:creationId xmlns:a16="http://schemas.microsoft.com/office/drawing/2014/main" id="{7CFE7A5E-79AA-8ED0-7989-77F451DA1E24}"/>
                 </a:ext>
               </a:extLst>
             </p:cNvPr>
@@ -5005,10 +5040,10 @@
         </p:pic>
         <p:sp>
           <p:nvSpPr>
-            <p:cNvPr id="32" name="TextBox 31">
+            <p:cNvPr id="4" name="TextBox 3">
               <a:extLst>
                 <a:ext uri="{FF2B5EF4-FFF2-40B4-BE49-F238E27FC236}">
-                  <a16:creationId xmlns:a16="http://schemas.microsoft.com/office/drawing/2014/main" id="{498AEF3F-FB70-754F-91EA-E4F57682CFA7}"/>
+                  <a16:creationId xmlns:a16="http://schemas.microsoft.com/office/drawing/2014/main" id="{C447061A-2EAF-5519-A19C-5A56F37566F0}"/>
                 </a:ext>
               </a:extLst>
             </p:cNvPr>
@@ -5040,10 +5075,10 @@
         </p:sp>
         <p:pic>
           <p:nvPicPr>
-            <p:cNvPr id="33" name="Graphic 32" descr="Document outline">
+            <p:cNvPr id="8" name="Graphic 7" descr="Document outline">
               <a:extLst>
                 <a:ext uri="{FF2B5EF4-FFF2-40B4-BE49-F238E27FC236}">
-                  <a16:creationId xmlns:a16="http://schemas.microsoft.com/office/drawing/2014/main" id="{2016C252-8B1B-7788-2C29-B42F0D73F89C}"/>
+                  <a16:creationId xmlns:a16="http://schemas.microsoft.com/office/drawing/2014/main" id="{734776D3-A2F6-DD7B-C6C6-A5C4EAEEA0D5}"/>
                 </a:ext>
               </a:extLst>
             </p:cNvPr>
@@ -5076,10 +5111,10 @@
         </p:pic>
         <p:sp>
           <p:nvSpPr>
-            <p:cNvPr id="34" name="TextBox 33">
+            <p:cNvPr id="10" name="TextBox 9">
               <a:extLst>
                 <a:ext uri="{FF2B5EF4-FFF2-40B4-BE49-F238E27FC236}">
-                  <a16:creationId xmlns:a16="http://schemas.microsoft.com/office/drawing/2014/main" id="{CDD63F1F-37DF-6E45-7054-5B9B304A3A60}"/>
+                  <a16:creationId xmlns:a16="http://schemas.microsoft.com/office/drawing/2014/main" id="{0BACE13D-7DEA-8CA5-62EE-1D0842595504}"/>
                 </a:ext>
               </a:extLst>
             </p:cNvPr>
@@ -5089,7 +5124,7 @@
           <p:spPr>
             <a:xfrm>
               <a:off x="4671110" y="4989816"/>
-              <a:ext cx="2166747" cy="369332"/>
+              <a:ext cx="2696187" cy="369332"/>
             </a:xfrm>
             <a:prstGeom prst="rect">
               <a:avLst/>
@@ -5104,7 +5139,7 @@
             <a:p>
               <a:r>
                 <a:rPr lang="en-GB" dirty="0" err="1"/>
-                <a:t>news_sender</a:t>
+                <a:t>newsletter_sender</a:t>
               </a:r>
               <a:r>
                 <a:rPr lang="en-NO" dirty="0"/>
@@ -5115,10 +5150,10 @@
         </p:sp>
         <p:pic>
           <p:nvPicPr>
-            <p:cNvPr id="35" name="Graphic 34" descr="Document outline">
+            <p:cNvPr id="12" name="Graphic 11" descr="Document outline">
               <a:extLst>
                 <a:ext uri="{FF2B5EF4-FFF2-40B4-BE49-F238E27FC236}">
-                  <a16:creationId xmlns:a16="http://schemas.microsoft.com/office/drawing/2014/main" id="{E64DFB8D-FC4C-9D00-A5BB-2D72D39A9212}"/>
+                  <a16:creationId xmlns:a16="http://schemas.microsoft.com/office/drawing/2014/main" id="{65D43784-2B15-FD17-156D-DD6DC598DAF9}"/>
                 </a:ext>
               </a:extLst>
             </p:cNvPr>
@@ -5141,7 +5176,7 @@
           </p:blipFill>
           <p:spPr>
             <a:xfrm>
-              <a:off x="8145521" y="4075416"/>
+              <a:off x="8547691" y="4077091"/>
               <a:ext cx="914400" cy="914400"/>
             </a:xfrm>
             <a:prstGeom prst="rect">
@@ -5151,10 +5186,10 @@
         </p:pic>
         <p:sp>
           <p:nvSpPr>
-            <p:cNvPr id="36" name="TextBox 35">
+            <p:cNvPr id="13" name="TextBox 12">
               <a:extLst>
                 <a:ext uri="{FF2B5EF4-FFF2-40B4-BE49-F238E27FC236}">
-                  <a16:creationId xmlns:a16="http://schemas.microsoft.com/office/drawing/2014/main" id="{6F4934AD-4DE8-505E-918F-AD5BD35AF9C6}"/>
+                  <a16:creationId xmlns:a16="http://schemas.microsoft.com/office/drawing/2014/main" id="{2C5F00F2-3FB5-E8B0-F2CA-70EC7025E221}"/>
                 </a:ext>
               </a:extLst>
             </p:cNvPr>
@@ -5163,7 +5198,7 @@
           </p:nvSpPr>
           <p:spPr>
             <a:xfrm>
-              <a:off x="7147547" y="4988141"/>
+              <a:off x="7549717" y="4989816"/>
               <a:ext cx="2915350" cy="369332"/>
             </a:xfrm>
             <a:prstGeom prst="rect">
@@ -5190,10 +5225,10 @@
         </p:sp>
         <p:cxnSp>
           <p:nvCxnSpPr>
-            <p:cNvPr id="37" name="Straight Arrow Connector 36">
+            <p:cNvPr id="15" name="Straight Arrow Connector 14">
               <a:extLst>
                 <a:ext uri="{FF2B5EF4-FFF2-40B4-BE49-F238E27FC236}">
-                  <a16:creationId xmlns:a16="http://schemas.microsoft.com/office/drawing/2014/main" id="{8733F349-6CBC-4E2D-3AC1-DC661A56C6B4}"/>
+                  <a16:creationId xmlns:a16="http://schemas.microsoft.com/office/drawing/2014/main" id="{C7657302-16E3-E079-BD1A-9C2F3AC6AAAD}"/>
                 </a:ext>
               </a:extLst>
             </p:cNvPr>
@@ -5205,7 +5240,7 @@
           <p:spPr>
             <a:xfrm flipV="1">
               <a:off x="3449782" y="2965575"/>
-              <a:ext cx="1963390" cy="1109841"/>
+              <a:ext cx="1393860" cy="1109841"/>
             </a:xfrm>
             <a:prstGeom prst="straightConnector1">
               <a:avLst/>
@@ -5234,16 +5269,16 @@
         </p:cxnSp>
         <p:cxnSp>
           <p:nvCxnSpPr>
-            <p:cNvPr id="38" name="Straight Arrow Connector 37">
+            <p:cNvPr id="17" name="Straight Arrow Connector 16">
               <a:extLst>
                 <a:ext uri="{FF2B5EF4-FFF2-40B4-BE49-F238E27FC236}">
-                  <a16:creationId xmlns:a16="http://schemas.microsoft.com/office/drawing/2014/main" id="{912CAEEE-2210-C5FD-38D2-0201F6A5D1AE}"/>
+                  <a16:creationId xmlns:a16="http://schemas.microsoft.com/office/drawing/2014/main" id="{99C4200D-B032-887E-8282-3B5AFBE21C13}"/>
                 </a:ext>
               </a:extLst>
             </p:cNvPr>
             <p:cNvCxnSpPr>
               <a:cxnSpLocks/>
-              <a:endCxn id="32" idx="2"/>
+              <a:endCxn id="4" idx="2"/>
             </p:cNvCxnSpPr>
             <p:nvPr/>
           </p:nvCxnSpPr>
@@ -5279,10 +5314,10 @@
         </p:cxnSp>
         <p:cxnSp>
           <p:nvCxnSpPr>
-            <p:cNvPr id="39" name="Straight Arrow Connector 38">
+            <p:cNvPr id="18" name="Straight Arrow Connector 17">
               <a:extLst>
                 <a:ext uri="{FF2B5EF4-FFF2-40B4-BE49-F238E27FC236}">
-                  <a16:creationId xmlns:a16="http://schemas.microsoft.com/office/drawing/2014/main" id="{984D08EA-CCE4-0775-CD11-379F956FD64A}"/>
+                  <a16:creationId xmlns:a16="http://schemas.microsoft.com/office/drawing/2014/main" id="{FC69545D-B5EC-7785-F8BA-B4898B73B2FE}"/>
                 </a:ext>
               </a:extLst>
             </p:cNvPr>
@@ -5293,8 +5328,8 @@
           </p:nvCxnSpPr>
           <p:spPr>
             <a:xfrm flipH="1" flipV="1">
-              <a:off x="6636327" y="2965575"/>
-              <a:ext cx="1509194" cy="1109841"/>
+              <a:off x="7046129" y="2831065"/>
+              <a:ext cx="1595349" cy="1244351"/>
             </a:xfrm>
             <a:prstGeom prst="straightConnector1">
               <a:avLst/>
@@ -5322,41 +5357,6 @@
           </p:style>
         </p:cxnSp>
       </p:grpSp>
-      <p:sp>
-        <p:nvSpPr>
-          <p:cNvPr id="40" name="TextBox 39">
-            <a:extLst>
-              <a:ext uri="{FF2B5EF4-FFF2-40B4-BE49-F238E27FC236}">
-                <a16:creationId xmlns:a16="http://schemas.microsoft.com/office/drawing/2014/main" id="{7AC7B243-20EF-2840-74DC-0E995515951C}"/>
-              </a:ext>
-            </a:extLst>
-          </p:cNvPr>
-          <p:cNvSpPr txBox="1"/>
-          <p:nvPr/>
-        </p:nvSpPr>
-        <p:spPr>
-          <a:xfrm>
-            <a:off x="3910850" y="5416510"/>
-            <a:ext cx="4370299" cy="646331"/>
-          </a:xfrm>
-          <a:prstGeom prst="rect">
-            <a:avLst/>
-          </a:prstGeom>
-          <a:noFill/>
-        </p:spPr>
-        <p:txBody>
-          <a:bodyPr wrap="none" rtlCol="0">
-            <a:spAutoFit/>
-          </a:bodyPr>
-          <a:lstStyle/>
-          <a:p>
-            <a:r>
-              <a:rPr lang="en-NO" sz="3600" dirty="0"/>
-              <a:t>All forced to validate!</a:t>
-            </a:r>
-          </a:p>
-        </p:txBody>
-      </p:sp>
     </p:spTree>
     <p:extLst>
       <p:ext uri="{BB962C8B-B14F-4D97-AF65-F5344CB8AC3E}">
@@ -6359,7 +6359,7 @@
         <p:spPr>
           <a:xfrm>
             <a:off x="8573078" y="3573482"/>
-            <a:ext cx="2155911" cy="461665"/>
+            <a:ext cx="3241465" cy="461665"/>
           </a:xfrm>
           <a:prstGeom prst="rect">
             <a:avLst/>
@@ -6378,7 +6378,7 @@
                   <a:srgbClr val="FF0000"/>
                 </a:solidFill>
               </a:rPr>
-              <a:t>Sending failure</a:t>
+              <a:t>Communication failure</a:t>
             </a:r>
           </a:p>
         </p:txBody>
